--- a/VideoPræsentation/decoratorPresentation.pptx
+++ b/VideoPræsentation/decoratorPresentation.pptx
@@ -12399,8 +12399,17 @@
           <a:p>
             <a:r>
               <a:rPr lang="da-DK" dirty="0"/>
-              <a:t>Done by Asger, Jacob and Tue</a:t>
+              <a:t>Done by Asger AU612414, Jacob AU600629 and Tue Au618668</a:t>
             </a:r>
+          </a:p>
+          <a:p>
+            <a:r>
+              <a:rPr lang="da-DK" dirty="0"/>
+              <a:t>Group 15</a:t>
+            </a:r>
+          </a:p>
+          <a:p>
+            <a:endParaRPr lang="da-DK" dirty="0"/>
           </a:p>
         </p:txBody>
       </p:sp>
